--- a/Slides/Tutorial1.pptx
+++ b/Slides/Tutorial1.pptx
@@ -5,7 +5,7 @@
     <p:sldMasterId id="2147483660" r:id="rId1"/>
   </p:sldMasterIdLst>
   <p:notesMasterIdLst>
-    <p:notesMasterId r:id="rId16"/>
+    <p:notesMasterId r:id="rId18"/>
   </p:notesMasterIdLst>
   <p:sldIdLst>
     <p:sldId id="256" r:id="rId2"/>
@@ -18,10 +18,12 @@
     <p:sldId id="259" r:id="rId9"/>
     <p:sldId id="265" r:id="rId10"/>
     <p:sldId id="266" r:id="rId11"/>
-    <p:sldId id="267" r:id="rId12"/>
-    <p:sldId id="268" r:id="rId13"/>
-    <p:sldId id="269" r:id="rId14"/>
-    <p:sldId id="270" r:id="rId15"/>
+    <p:sldId id="272" r:id="rId12"/>
+    <p:sldId id="271" r:id="rId13"/>
+    <p:sldId id="267" r:id="rId14"/>
+    <p:sldId id="268" r:id="rId15"/>
+    <p:sldId id="269" r:id="rId16"/>
+    <p:sldId id="270" r:id="rId17"/>
   </p:sldIdLst>
   <p:sldSz cx="12192000" cy="6858000"/>
   <p:notesSz cx="6858000" cy="9144000"/>
@@ -120,6 +122,11 @@
       </a:defRPr>
     </a:lvl9pPr>
   </p:defaultTextStyle>
+  <p:extLst>
+    <p:ext uri="{EFAFB233-063F-42B5-8137-9DF3F51BA10A}">
+      <p15:sldGuideLst xmlns:p15="http://schemas.microsoft.com/office/powerpoint/2012/main"/>
+    </p:ext>
+  </p:extLst>
 </p:presentation>
 </file>
 
@@ -3879,6 +3886,298 @@
       </p:grpSpPr>
       <p:sp>
         <p:nvSpPr>
+          <p:cNvPr id="2" name="Title 1"/>
+          <p:cNvSpPr>
+            <a:spLocks noGrp="1"/>
+          </p:cNvSpPr>
+          <p:nvPr>
+            <p:ph type="title"/>
+          </p:nvPr>
+        </p:nvSpPr>
+        <p:spPr/>
+        <p:txBody>
+          <a:bodyPr>
+            <a:normAutofit/>
+          </a:bodyPr>
+          <a:lstStyle/>
+          <a:p>
+            <a:r>
+              <a:rPr lang="en-US" sz="5400" dirty="0"/>
+              <a:t>Text Splitting</a:t>
+            </a:r>
+          </a:p>
+        </p:txBody>
+      </p:sp>
+      <p:sp>
+        <p:nvSpPr>
+          <p:cNvPr id="3" name="Text Placeholder 2"/>
+          <p:cNvSpPr>
+            <a:spLocks noGrp="1"/>
+          </p:cNvSpPr>
+          <p:nvPr>
+            <p:ph type="body" idx="1"/>
+          </p:nvPr>
+        </p:nvSpPr>
+        <p:spPr/>
+        <p:txBody>
+          <a:bodyPr>
+            <a:normAutofit/>
+          </a:bodyPr>
+          <a:lstStyle/>
+          <a:p>
+            <a:r>
+              <a:rPr lang="en-US" sz="4000"/>
+              <a:t>Scenario 3</a:t>
+            </a:r>
+            <a:endParaRPr lang="en-US" sz="4000" dirty="0"/>
+          </a:p>
+        </p:txBody>
+      </p:sp>
+      <p:sp>
+        <p:nvSpPr>
+          <p:cNvPr id="4" name="Date Placeholder 3"/>
+          <p:cNvSpPr>
+            <a:spLocks noGrp="1"/>
+          </p:cNvSpPr>
+          <p:nvPr>
+            <p:ph type="dt" sz="half" idx="10"/>
+          </p:nvPr>
+        </p:nvSpPr>
+        <p:spPr/>
+        <p:txBody>
+          <a:bodyPr/>
+          <a:lstStyle/>
+          <a:p>
+            <a:r>
+              <a:rPr lang="en-US"/>
+              <a:t>4/27/2017</a:t>
+            </a:r>
+          </a:p>
+        </p:txBody>
+      </p:sp>
+      <p:sp>
+        <p:nvSpPr>
+          <p:cNvPr id="5" name="Footer Placeholder 4"/>
+          <p:cNvSpPr>
+            <a:spLocks noGrp="1"/>
+          </p:cNvSpPr>
+          <p:nvPr>
+            <p:ph type="ftr" sz="quarter" idx="11"/>
+          </p:nvPr>
+        </p:nvSpPr>
+        <p:spPr/>
+        <p:txBody>
+          <a:bodyPr/>
+          <a:lstStyle/>
+          <a:p>
+            <a:r>
+              <a:rPr lang="en-US"/>
+              <a:t>Microsoft</a:t>
+            </a:r>
+          </a:p>
+        </p:txBody>
+      </p:sp>
+      <p:sp>
+        <p:nvSpPr>
+          <p:cNvPr id="6" name="Slide Number Placeholder 5"/>
+          <p:cNvSpPr>
+            <a:spLocks noGrp="1"/>
+          </p:cNvSpPr>
+          <p:nvPr>
+            <p:ph type="sldNum" sz="quarter" idx="12"/>
+          </p:nvPr>
+        </p:nvSpPr>
+        <p:spPr/>
+        <p:txBody>
+          <a:bodyPr/>
+          <a:lstStyle/>
+          <a:p>
+            <a:fld id="{C1AEC131-7358-41FC-8DEB-FAD1018D39D9}" type="slidenum">
+              <a:rPr lang="en-US" smtClean="0"/>
+              <a:t>11</a:t>
+            </a:fld>
+            <a:endParaRPr lang="en-US"/>
+          </a:p>
+        </p:txBody>
+      </p:sp>
+    </p:spTree>
+    <p:extLst>
+      <p:ext uri="{BB962C8B-B14F-4D97-AF65-F5344CB8AC3E}">
+        <p14:creationId xmlns:p14="http://schemas.microsoft.com/office/powerpoint/2010/main" val="458000675"/>
+      </p:ext>
+    </p:extLst>
+  </p:cSld>
+  <p:clrMapOvr>
+    <a:masterClrMapping/>
+  </p:clrMapOvr>
+</p:sld>
+</file>
+
+<file path=ppt/slides/slide12.xml><?xml version="1.0" encoding="utf-8"?>
+<p:sld xmlns:a="http://schemas.openxmlformats.org/drawingml/2006/main" xmlns:r="http://schemas.openxmlformats.org/officeDocument/2006/relationships" xmlns:p="http://schemas.openxmlformats.org/presentationml/2006/main">
+  <p:cSld>
+    <p:spTree>
+      <p:nvGrpSpPr>
+        <p:cNvPr id="1" name=""/>
+        <p:cNvGrpSpPr/>
+        <p:nvPr/>
+      </p:nvGrpSpPr>
+      <p:grpSpPr>
+        <a:xfrm>
+          <a:off x="0" y="0"/>
+          <a:ext cx="0" cy="0"/>
+          <a:chOff x="0" y="0"/>
+          <a:chExt cx="0" cy="0"/>
+        </a:xfrm>
+      </p:grpSpPr>
+      <p:sp>
+        <p:nvSpPr>
+          <p:cNvPr id="2" name="Title 1"/>
+          <p:cNvSpPr>
+            <a:spLocks noGrp="1"/>
+          </p:cNvSpPr>
+          <p:nvPr>
+            <p:ph type="title"/>
+          </p:nvPr>
+        </p:nvSpPr>
+        <p:spPr/>
+        <p:txBody>
+          <a:bodyPr>
+            <a:normAutofit/>
+          </a:bodyPr>
+          <a:lstStyle/>
+          <a:p>
+            <a:r>
+              <a:rPr lang="en-US" sz="5400" dirty="0"/>
+              <a:t>Column Profiling</a:t>
+            </a:r>
+          </a:p>
+        </p:txBody>
+      </p:sp>
+      <p:sp>
+        <p:nvSpPr>
+          <p:cNvPr id="3" name="Text Placeholder 2"/>
+          <p:cNvSpPr>
+            <a:spLocks noGrp="1"/>
+          </p:cNvSpPr>
+          <p:nvPr>
+            <p:ph type="body" idx="1"/>
+          </p:nvPr>
+        </p:nvSpPr>
+        <p:spPr/>
+        <p:txBody>
+          <a:bodyPr>
+            <a:normAutofit/>
+          </a:bodyPr>
+          <a:lstStyle/>
+          <a:p>
+            <a:r>
+              <a:rPr lang="en-US" sz="4000"/>
+              <a:t>Scenario 4</a:t>
+            </a:r>
+            <a:endParaRPr lang="en-US" sz="4000" dirty="0"/>
+          </a:p>
+        </p:txBody>
+      </p:sp>
+      <p:sp>
+        <p:nvSpPr>
+          <p:cNvPr id="4" name="Date Placeholder 3"/>
+          <p:cNvSpPr>
+            <a:spLocks noGrp="1"/>
+          </p:cNvSpPr>
+          <p:nvPr>
+            <p:ph type="dt" sz="half" idx="10"/>
+          </p:nvPr>
+        </p:nvSpPr>
+        <p:spPr/>
+        <p:txBody>
+          <a:bodyPr/>
+          <a:lstStyle/>
+          <a:p>
+            <a:r>
+              <a:rPr lang="en-US"/>
+              <a:t>4/27/2017</a:t>
+            </a:r>
+          </a:p>
+        </p:txBody>
+      </p:sp>
+      <p:sp>
+        <p:nvSpPr>
+          <p:cNvPr id="5" name="Footer Placeholder 4"/>
+          <p:cNvSpPr>
+            <a:spLocks noGrp="1"/>
+          </p:cNvSpPr>
+          <p:nvPr>
+            <p:ph type="ftr" sz="quarter" idx="11"/>
+          </p:nvPr>
+        </p:nvSpPr>
+        <p:spPr/>
+        <p:txBody>
+          <a:bodyPr/>
+          <a:lstStyle/>
+          <a:p>
+            <a:r>
+              <a:rPr lang="en-US"/>
+              <a:t>Microsoft</a:t>
+            </a:r>
+          </a:p>
+        </p:txBody>
+      </p:sp>
+      <p:sp>
+        <p:nvSpPr>
+          <p:cNvPr id="6" name="Slide Number Placeholder 5"/>
+          <p:cNvSpPr>
+            <a:spLocks noGrp="1"/>
+          </p:cNvSpPr>
+          <p:nvPr>
+            <p:ph type="sldNum" sz="quarter" idx="12"/>
+          </p:nvPr>
+        </p:nvSpPr>
+        <p:spPr/>
+        <p:txBody>
+          <a:bodyPr/>
+          <a:lstStyle/>
+          <a:p>
+            <a:fld id="{C1AEC131-7358-41FC-8DEB-FAD1018D39D9}" type="slidenum">
+              <a:rPr lang="en-US" smtClean="0"/>
+              <a:t>12</a:t>
+            </a:fld>
+            <a:endParaRPr lang="en-US"/>
+          </a:p>
+        </p:txBody>
+      </p:sp>
+    </p:spTree>
+    <p:extLst>
+      <p:ext uri="{BB962C8B-B14F-4D97-AF65-F5344CB8AC3E}">
+        <p14:creationId xmlns:p14="http://schemas.microsoft.com/office/powerpoint/2010/main" val="3438619652"/>
+      </p:ext>
+    </p:extLst>
+  </p:cSld>
+  <p:clrMapOvr>
+    <a:masterClrMapping/>
+  </p:clrMapOvr>
+</p:sld>
+</file>
+
+<file path=ppt/slides/slide13.xml><?xml version="1.0" encoding="utf-8"?>
+<p:sld xmlns:a="http://schemas.openxmlformats.org/drawingml/2006/main" xmlns:r="http://schemas.openxmlformats.org/officeDocument/2006/relationships" xmlns:p="http://schemas.openxmlformats.org/presentationml/2006/main">
+  <p:cSld>
+    <p:spTree>
+      <p:nvGrpSpPr>
+        <p:cNvPr id="1" name=""/>
+        <p:cNvGrpSpPr/>
+        <p:nvPr/>
+      </p:nvGrpSpPr>
+      <p:grpSpPr>
+        <a:xfrm>
+          <a:off x="0" y="0"/>
+          <a:ext cx="0" cy="0"/>
+          <a:chOff x="0" y="0"/>
+          <a:chExt cx="0" cy="0"/>
+        </a:xfrm>
+      </p:grpSpPr>
+      <p:sp>
+        <p:nvSpPr>
           <p:cNvPr id="7" name="Title 6"/>
           <p:cNvSpPr>
             <a:spLocks noGrp="1"/>
@@ -4012,7 +4311,7 @@
           <a:p>
             <a:fld id="{C1AEC131-7358-41FC-8DEB-FAD1018D39D9}" type="slidenum">
               <a:rPr lang="en-US" smtClean="0"/>
-              <a:t>11</a:t>
+              <a:t>13</a:t>
             </a:fld>
             <a:endParaRPr lang="en-US"/>
           </a:p>
@@ -4223,7 +4522,7 @@
 </p:sld>
 </file>
 
-<file path=ppt/slides/slide12.xml><?xml version="1.0" encoding="utf-8"?>
+<file path=ppt/slides/slide14.xml><?xml version="1.0" encoding="utf-8"?>
 <p:sld xmlns:a="http://schemas.openxmlformats.org/drawingml/2006/main" xmlns:r="http://schemas.openxmlformats.org/officeDocument/2006/relationships" xmlns:p="http://schemas.openxmlformats.org/presentationml/2006/main">
   <p:cSld>
     <p:spTree>
@@ -4386,7 +4685,7 @@
           <a:p>
             <a:fld id="{C1AEC131-7358-41FC-8DEB-FAD1018D39D9}" type="slidenum">
               <a:rPr lang="en-US" smtClean="0"/>
-              <a:t>12</a:t>
+              <a:t>14</a:t>
             </a:fld>
             <a:endParaRPr lang="en-US"/>
           </a:p>
@@ -5392,7 +5691,7 @@
 </p:sld>
 </file>
 
-<file path=ppt/slides/slide13.xml><?xml version="1.0" encoding="utf-8"?>
+<file path=ppt/slides/slide15.xml><?xml version="1.0" encoding="utf-8"?>
 <p:sld xmlns:a="http://schemas.openxmlformats.org/drawingml/2006/main" xmlns:r="http://schemas.openxmlformats.org/officeDocument/2006/relationships" xmlns:p="http://schemas.openxmlformats.org/presentationml/2006/main">
   <p:cSld>
     <p:spTree>
@@ -5577,7 +5876,7 @@
           <a:p>
             <a:fld id="{C1AEC131-7358-41FC-8DEB-FAD1018D39D9}" type="slidenum">
               <a:rPr lang="en-US" smtClean="0"/>
-              <a:t>13</a:t>
+              <a:t>15</a:t>
             </a:fld>
             <a:endParaRPr lang="en-US"/>
           </a:p>
@@ -5726,7 +6025,7 @@
 </p:sld>
 </file>
 
-<file path=ppt/slides/slide14.xml><?xml version="1.0" encoding="utf-8"?>
+<file path=ppt/slides/slide16.xml><?xml version="1.0" encoding="utf-8"?>
 <p:sld xmlns:a="http://schemas.openxmlformats.org/drawingml/2006/main" xmlns:r="http://schemas.openxmlformats.org/officeDocument/2006/relationships" xmlns:p="http://schemas.openxmlformats.org/presentationml/2006/main">
   <p:cSld>
     <p:spTree>
@@ -5873,7 +6172,7 @@
           <a:p>
             <a:fld id="{C1AEC131-7358-41FC-8DEB-FAD1018D39D9}" type="slidenum">
               <a:rPr lang="en-US" smtClean="0"/>
-              <a:t>14</a:t>
+              <a:t>16</a:t>
             </a:fld>
             <a:endParaRPr lang="en-US"/>
           </a:p>
@@ -6126,8 +6425,8 @@
           </a:p>
         </p:txBody>
       </p:sp>
-      <mc:AlternateContent xmlns:mc="http://schemas.openxmlformats.org/markup-compatibility/2006">
-        <mc:Choice xmlns:a14="http://schemas.microsoft.com/office/drawing/2010/main" Requires="a14">
+      <mc:AlternateContent xmlns:mc="http://schemas.openxmlformats.org/markup-compatibility/2006" xmlns:a14="http://schemas.microsoft.com/office/drawing/2010/main">
+        <mc:Choice Requires="a14">
           <p:sp>
             <p:nvSpPr>
               <p:cNvPr id="3" name="Content Placeholder 2"/>
@@ -6198,7 +6497,7 @@
             </p:txBody>
           </p:sp>
         </mc:Choice>
-        <mc:Fallback>
+        <mc:Fallback xmlns="">
           <p:sp>
             <p:nvSpPr>
               <p:cNvPr id="3" name="Content Placeholder 2"/>
@@ -6420,11 +6719,14 @@
               </a:rPr>
               <a:t>Matching.Text</a:t>
             </a:r>
-            <a:endParaRPr lang="en-US" sz="2800" dirty="0">
-              <a:latin typeface="Droid Sans Mono" panose="020B0609030804020204" pitchFamily="49" charset="0"/>
-              <a:ea typeface="Droid Sans Mono" panose="020B0609030804020204" pitchFamily="49" charset="0"/>
-              <a:cs typeface="Droid Sans Mono" panose="020B0609030804020204" pitchFamily="49" charset="0"/>
-            </a:endParaRPr>
+            <a:r>
+              <a:rPr lang="en-US" sz="2800" baseline="30000" dirty="0">
+                <a:latin typeface="Droid Sans Mono" panose="020B0609030804020204" pitchFamily="49" charset="0"/>
+                <a:ea typeface="Droid Sans Mono" panose="020B0609030804020204" pitchFamily="49" charset="0"/>
+                <a:cs typeface="Droid Sans Mono" panose="020B0609030804020204" pitchFamily="49" charset="0"/>
+              </a:rPr>
+              <a:t>*</a:t>
+            </a:r>
           </a:p>
         </p:txBody>
       </p:sp>
@@ -11855,13 +12157,13 @@
   <p:clrMapOvr>
     <a:masterClrMapping/>
   </p:clrMapOvr>
-  <mc:AlternateContent xmlns:mc="http://schemas.openxmlformats.org/markup-compatibility/2006">
-    <mc:Choice xmlns:p159="http://schemas.microsoft.com/office/powerpoint/2015/09/main" Requires="p159">
+  <mc:AlternateContent xmlns:mc="http://schemas.openxmlformats.org/markup-compatibility/2006" xmlns:p159="http://schemas.microsoft.com/office/powerpoint/2015/09/main">
+    <mc:Choice Requires="p159">
       <p:transition xmlns:p14="http://schemas.microsoft.com/office/powerpoint/2010/main" spd="slow" p14:dur="2000">
         <p159:morph option="byObject"/>
       </p:transition>
     </mc:Choice>
-    <mc:Fallback>
+    <mc:Fallback xmlns="">
       <p:transition spd="slow">
         <p:fade/>
       </p:transition>
@@ -11909,8 +12211,8 @@
           </a:p>
         </p:txBody>
       </p:sp>
-      <mc:AlternateContent xmlns:mc="http://schemas.openxmlformats.org/markup-compatibility/2006">
-        <mc:Choice xmlns:a14="http://schemas.microsoft.com/office/drawing/2010/main" Requires="a14">
+      <mc:AlternateContent xmlns:mc="http://schemas.openxmlformats.org/markup-compatibility/2006" xmlns:a14="http://schemas.microsoft.com/office/drawing/2010/main">
+        <mc:Choice Requires="a14">
           <p:sp>
             <p:nvSpPr>
               <p:cNvPr id="3" name="Content Placeholder 2"/>
@@ -12230,7 +12532,7 @@
             </p:txBody>
           </p:sp>
         </mc:Choice>
-        <mc:Fallback>
+        <mc:Fallback xmlns="">
           <p:sp>
             <p:nvSpPr>
               <p:cNvPr id="3" name="Content Placeholder 2"/>
@@ -12822,8 +13124,8 @@
           </a:p>
         </p:txBody>
       </p:sp>
-      <mc:AlternateContent xmlns:mc="http://schemas.openxmlformats.org/markup-compatibility/2006">
-        <mc:Choice xmlns:a14="http://schemas.microsoft.com/office/drawing/2010/main" Requires="a14">
+      <mc:AlternateContent xmlns:mc="http://schemas.openxmlformats.org/markup-compatibility/2006" xmlns:a14="http://schemas.microsoft.com/office/drawing/2010/main">
+        <mc:Choice Requires="a14">
           <p:sp>
             <p:nvSpPr>
               <p:cNvPr id="7" name="Rectangle 6"/>
@@ -13584,7 +13886,7 @@
             </p:txBody>
           </p:sp>
         </mc:Choice>
-        <mc:Fallback>
+        <mc:Fallback xmlns="">
           <p:sp>
             <p:nvSpPr>
               <p:cNvPr id="7" name="Rectangle 6"/>
@@ -13653,8 +13955,8 @@
           <a:chExt cx="0" cy="0"/>
         </a:xfrm>
       </p:grpSpPr>
-      <mc:AlternateContent xmlns:mc="http://schemas.openxmlformats.org/markup-compatibility/2006">
-        <mc:Choice xmlns:a14="http://schemas.microsoft.com/office/drawing/2010/main" Requires="a14">
+      <mc:AlternateContent xmlns:mc="http://schemas.openxmlformats.org/markup-compatibility/2006" xmlns:a14="http://schemas.microsoft.com/office/drawing/2010/main">
+        <mc:Choice Requires="a14">
           <p:sp>
             <p:nvSpPr>
               <p:cNvPr id="2" name="Title 1"/>
@@ -13692,7 +13994,7 @@
             </p:txBody>
           </p:sp>
         </mc:Choice>
-        <mc:Fallback>
+        <mc:Fallback xmlns="">
           <p:sp>
             <p:nvSpPr>
               <p:cNvPr id="2" name="Title 1"/>
@@ -13859,7 +14161,7 @@
   <a:themeElements>
     <a:clrScheme name="Office 2007-2010">
       <a:dk1>
-        <a:sysClr val="windowText" lastClr="5C616C"/>
+        <a:sysClr val="windowText" lastClr="000000"/>
       </a:dk1>
       <a:lt1>
         <a:sysClr val="window" lastClr="FFFFFF"/>
@@ -14060,7 +14362,7 @@
   <a:themeElements>
     <a:clrScheme name="Office">
       <a:dk1>
-        <a:sysClr val="windowText" lastClr="5C616C"/>
+        <a:sysClr val="windowText" lastClr="000000"/>
       </a:dk1>
       <a:lt1>
         <a:sysClr val="window" lastClr="FFFFFF"/>
